--- a/R Markdown and Git.pptx
+++ b/R Markdown and Git.pptx
@@ -6758,11 +6758,7 @@
           <a:p>
             <a:r>
               <a:rPr lang="en-GB" dirty="0" smtClean="0"/>
-              <a:t>Some </a:t>
-            </a:r>
-            <a:r>
-              <a:rPr lang="en-GB" dirty="0" smtClean="0"/>
-              <a:t>terms you will come across</a:t>
+              <a:t>Some terms you will come across</a:t>
             </a:r>
             <a:endParaRPr lang="en-GB" dirty="0"/>
           </a:p>
@@ -6870,7 +6866,6 @@
               <a:rPr lang="en-GB" dirty="0" smtClean="0"/>
               <a:t>to be stored</a:t>
             </a:r>
-            <a:endParaRPr lang="en-GB" dirty="0" smtClean="0"/>
           </a:p>
           <a:p>
             <a:endParaRPr lang="en-GB" dirty="0"/>
@@ -6884,7 +6879,6 @@
               <a:rPr lang="en-GB" dirty="0" smtClean="0"/>
               <a:t> - store a snapshot</a:t>
             </a:r>
-            <a:endParaRPr lang="en-GB" dirty="0" smtClean="0"/>
           </a:p>
           <a:p>
             <a:endParaRPr lang="en-GB" dirty="0"/>
@@ -7014,11 +7008,7 @@
           <a:p>
             <a:r>
               <a:rPr lang="en-GB" dirty="0" smtClean="0"/>
-              <a:t>Some </a:t>
-            </a:r>
-            <a:r>
-              <a:rPr lang="en-GB" dirty="0" smtClean="0"/>
-              <a:t>terms you might come across</a:t>
+              <a:t>Some terms you might come across</a:t>
             </a:r>
             <a:endParaRPr lang="en-GB" dirty="0"/>
           </a:p>
@@ -7235,15 +7225,7 @@
           <a:p>
             <a:r>
               <a:rPr lang="en-GB" dirty="0" smtClean="0"/>
-              <a:t>What </a:t>
-            </a:r>
-            <a:r>
-              <a:rPr lang="en-GB" dirty="0" smtClean="0"/>
-              <a:t>is R Markdown</a:t>
-            </a:r>
-            <a:r>
-              <a:rPr lang="en-GB" dirty="0" smtClean="0"/>
-              <a:t>?</a:t>
+              <a:t>What is R Markdown?</a:t>
             </a:r>
             <a:endParaRPr lang="en-GB" dirty="0"/>
           </a:p>
@@ -7458,13 +7440,8 @@
           <a:p>
             <a:r>
               <a:rPr lang="en-GB" dirty="0" smtClean="0"/>
-              <a:t>Word + </a:t>
-            </a:r>
-            <a:r>
-              <a:rPr lang="en-GB" dirty="0" smtClean="0"/>
-              <a:t>figures = Yuck.</a:t>
-            </a:r>
-            <a:endParaRPr lang="en-GB" dirty="0" smtClean="0"/>
+              <a:t>Word + figures = Yuck.</a:t>
+            </a:r>
           </a:p>
           <a:p>
             <a:endParaRPr lang="en-GB" dirty="0" smtClean="0"/>
@@ -8206,15 +8183,7 @@
           <a:p>
             <a:r>
               <a:rPr lang="en-GB" dirty="0" smtClean="0"/>
-              <a:t>What </a:t>
-            </a:r>
-            <a:r>
-              <a:rPr lang="en-GB" dirty="0" smtClean="0"/>
-              <a:t>is Git</a:t>
-            </a:r>
-            <a:r>
-              <a:rPr lang="en-GB" dirty="0" smtClean="0"/>
-              <a:t>?</a:t>
+              <a:t>What is Git?</a:t>
             </a:r>
             <a:endParaRPr lang="en-GB" dirty="0"/>
           </a:p>
@@ -8424,15 +8393,7 @@
           <a:p>
             <a:r>
               <a:rPr lang="en-GB" dirty="0" smtClean="0"/>
-              <a:t>What </a:t>
-            </a:r>
-            <a:r>
-              <a:rPr lang="en-GB" dirty="0" smtClean="0"/>
-              <a:t>is Git</a:t>
-            </a:r>
-            <a:r>
-              <a:rPr lang="en-GB" dirty="0" smtClean="0"/>
-              <a:t>?</a:t>
+              <a:t>What is Git?</a:t>
             </a:r>
             <a:endParaRPr lang="en-GB" dirty="0"/>
           </a:p>
@@ -8679,15 +8640,7 @@
           <a:p>
             <a:r>
               <a:rPr lang="en-GB" dirty="0" smtClean="0"/>
-              <a:t>What </a:t>
-            </a:r>
-            <a:r>
-              <a:rPr lang="en-GB" dirty="0" smtClean="0"/>
-              <a:t>is Git</a:t>
-            </a:r>
-            <a:r>
-              <a:rPr lang="en-GB" dirty="0" smtClean="0"/>
-              <a:t>?</a:t>
+              <a:t>What is Git?</a:t>
             </a:r>
             <a:endParaRPr lang="en-GB" dirty="0"/>
           </a:p>
@@ -8908,15 +8861,7 @@
           <a:p>
             <a:r>
               <a:rPr lang="en-GB" dirty="0" smtClean="0"/>
-              <a:t>What </a:t>
-            </a:r>
-            <a:r>
-              <a:rPr lang="en-GB" dirty="0" smtClean="0"/>
-              <a:t>is Git</a:t>
-            </a:r>
-            <a:r>
-              <a:rPr lang="en-GB" dirty="0" smtClean="0"/>
-              <a:t>?</a:t>
+              <a:t>What is Git?</a:t>
             </a:r>
             <a:endParaRPr lang="en-GB" dirty="0"/>
           </a:p>
@@ -9162,7 +9107,7 @@
         <p:spPr/>
         <p:txBody>
           <a:bodyPr>
-            <a:normAutofit/>
+            <a:normAutofit fontScale="92500" lnSpcReduction="10000"/>
           </a:bodyPr>
           <a:lstStyle/>
           <a:p>
@@ -9218,7 +9163,38 @@
           <a:p>
             <a:r>
               <a:rPr lang="en-GB" sz="2400" dirty="0" smtClean="0"/>
-              <a:t>Joint projects</a:t>
+              <a:t>Joint </a:t>
+            </a:r>
+            <a:r>
+              <a:rPr lang="en-GB" sz="2400" dirty="0" smtClean="0"/>
+              <a:t>projects</a:t>
+            </a:r>
+          </a:p>
+          <a:p>
+            <a:endParaRPr lang="en-GB" sz="2400" dirty="0"/>
+          </a:p>
+          <a:p>
+            <a:r>
+              <a:rPr lang="en-GB" sz="2400" dirty="0" smtClean="0"/>
+              <a:t>Public repositories are helpful e.g. </a:t>
+            </a:r>
+            <a:r>
+              <a:rPr lang="en-GB" sz="2400" dirty="0" smtClean="0">
+                <a:hlinkClick r:id="rId3"/>
+              </a:rPr>
+              <a:t>ATAC-</a:t>
+            </a:r>
+            <a:r>
+              <a:rPr lang="en-GB" sz="2400" dirty="0" err="1" smtClean="0">
+                <a:hlinkClick r:id="rId3"/>
+              </a:rPr>
+              <a:t>seq</a:t>
+            </a:r>
+            <a:r>
+              <a:rPr lang="en-GB" sz="2400" dirty="0" smtClean="0">
+                <a:hlinkClick r:id="rId3"/>
+              </a:rPr>
+              <a:t> QC</a:t>
             </a:r>
             <a:endParaRPr lang="en-GB" sz="2400" dirty="0"/>
           </a:p>
@@ -9233,7 +9209,7 @@
           <p:nvPr/>
         </p:nvPicPr>
         <p:blipFill>
-          <a:blip r:embed="rId3" cstate="print">
+          <a:blip r:embed="rId4" cstate="print">
             <a:clrChange>
               <a:clrFrom>
                 <a:srgbClr val="FFFFFF"/>
